--- a/docs/Hookshot Heroes Presentation.pptx
+++ b/docs/Hookshot Heroes Presentation.pptx
@@ -117,6 +117,11 @@
       </a:defRPr>
     </a:lvl9pPr>
   </p:defaultTextStyle>
+  <p:extLst>
+    <p:ext uri="{EFAFB233-063F-42B5-8137-9DF3F51BA10A}">
+      <p15:sldGuideLst xmlns:p15="http://schemas.microsoft.com/office/powerpoint/2012/main"/>
+    </p:ext>
+  </p:extLst>
 </p:presentation>
 </file>
 
@@ -202,7 +207,7 @@
           <a:p>
             <a:fld id="{2B0BA62F-2A9D-445F-BB77-64F8DB1201DC}" type="datetimeFigureOut">
               <a:rPr lang="en-ID" smtClean="0"/>
-              <a:t>25/05/2023</a:t>
+              <a:t>28/05/2023</a:t>
             </a:fld>
             <a:endParaRPr lang="en-ID"/>
           </a:p>
@@ -988,7 +993,15 @@
           <a:p>
             <a:r>
               <a:rPr lang="en-US" dirty="0"/>
-              <a:t>Voiceover: Linda is not alone on this adventure. The village of </a:t>
+              <a:t>Voiceover</a:t>
+            </a:r>
+            <a:r>
+              <a:rPr lang="en-US"/>
+              <a:t>: Lidia </a:t>
+            </a:r>
+            <a:r>
+              <a:rPr lang="en-US" dirty="0"/>
+              <a:t>is not alone on this adventure. The village of </a:t>
             </a:r>
             <a:r>
               <a:rPr lang="en-ID" sz="1200" dirty="0" err="1">
@@ -1659,7 +1672,7 @@
           <a:p>
             <a:fld id="{A4071537-598A-445C-AA4B-0992387B776A}" type="datetimeFigureOut">
               <a:rPr lang="en-ID" smtClean="0"/>
-              <a:t>25/05/2023</a:t>
+              <a:t>28/05/2023</a:t>
             </a:fld>
             <a:endParaRPr lang="en-ID"/>
           </a:p>
@@ -1859,7 +1872,7 @@
           <a:p>
             <a:fld id="{A4071537-598A-445C-AA4B-0992387B776A}" type="datetimeFigureOut">
               <a:rPr lang="en-ID" smtClean="0"/>
-              <a:t>25/05/2023</a:t>
+              <a:t>28/05/2023</a:t>
             </a:fld>
             <a:endParaRPr lang="en-ID"/>
           </a:p>
@@ -2069,7 +2082,7 @@
           <a:p>
             <a:fld id="{A4071537-598A-445C-AA4B-0992387B776A}" type="datetimeFigureOut">
               <a:rPr lang="en-ID" smtClean="0"/>
-              <a:t>25/05/2023</a:t>
+              <a:t>28/05/2023</a:t>
             </a:fld>
             <a:endParaRPr lang="en-ID"/>
           </a:p>
@@ -2269,7 +2282,7 @@
           <a:p>
             <a:fld id="{A4071537-598A-445C-AA4B-0992387B776A}" type="datetimeFigureOut">
               <a:rPr lang="en-ID" smtClean="0"/>
-              <a:t>25/05/2023</a:t>
+              <a:t>28/05/2023</a:t>
             </a:fld>
             <a:endParaRPr lang="en-ID"/>
           </a:p>
@@ -2545,7 +2558,7 @@
           <a:p>
             <a:fld id="{A4071537-598A-445C-AA4B-0992387B776A}" type="datetimeFigureOut">
               <a:rPr lang="en-ID" smtClean="0"/>
-              <a:t>25/05/2023</a:t>
+              <a:t>28/05/2023</a:t>
             </a:fld>
             <a:endParaRPr lang="en-ID"/>
           </a:p>
@@ -2813,7 +2826,7 @@
           <a:p>
             <a:fld id="{A4071537-598A-445C-AA4B-0992387B776A}" type="datetimeFigureOut">
               <a:rPr lang="en-ID" smtClean="0"/>
-              <a:t>25/05/2023</a:t>
+              <a:t>28/05/2023</a:t>
             </a:fld>
             <a:endParaRPr lang="en-ID"/>
           </a:p>
@@ -3228,7 +3241,7 @@
           <a:p>
             <a:fld id="{A4071537-598A-445C-AA4B-0992387B776A}" type="datetimeFigureOut">
               <a:rPr lang="en-ID" smtClean="0"/>
-              <a:t>25/05/2023</a:t>
+              <a:t>28/05/2023</a:t>
             </a:fld>
             <a:endParaRPr lang="en-ID"/>
           </a:p>
@@ -3370,7 +3383,7 @@
           <a:p>
             <a:fld id="{A4071537-598A-445C-AA4B-0992387B776A}" type="datetimeFigureOut">
               <a:rPr lang="en-ID" smtClean="0"/>
-              <a:t>25/05/2023</a:t>
+              <a:t>28/05/2023</a:t>
             </a:fld>
             <a:endParaRPr lang="en-ID"/>
           </a:p>
@@ -3483,7 +3496,7 @@
           <a:p>
             <a:fld id="{A4071537-598A-445C-AA4B-0992387B776A}" type="datetimeFigureOut">
               <a:rPr lang="en-ID" smtClean="0"/>
-              <a:t>25/05/2023</a:t>
+              <a:t>28/05/2023</a:t>
             </a:fld>
             <a:endParaRPr lang="en-ID"/>
           </a:p>
@@ -3796,7 +3809,7 @@
           <a:p>
             <a:fld id="{A4071537-598A-445C-AA4B-0992387B776A}" type="datetimeFigureOut">
               <a:rPr lang="en-ID" smtClean="0"/>
-              <a:t>25/05/2023</a:t>
+              <a:t>28/05/2023</a:t>
             </a:fld>
             <a:endParaRPr lang="en-ID"/>
           </a:p>
@@ -4085,7 +4098,7 @@
           <a:p>
             <a:fld id="{A4071537-598A-445C-AA4B-0992387B776A}" type="datetimeFigureOut">
               <a:rPr lang="en-ID" smtClean="0"/>
-              <a:t>25/05/2023</a:t>
+              <a:t>28/05/2023</a:t>
             </a:fld>
             <a:endParaRPr lang="en-ID"/>
           </a:p>
@@ -4328,7 +4341,7 @@
           <a:p>
             <a:fld id="{A4071537-598A-445C-AA4B-0992387B776A}" type="datetimeFigureOut">
               <a:rPr lang="en-ID" smtClean="0"/>
-              <a:t>25/05/2023</a:t>
+              <a:t>28/05/2023</a:t>
             </a:fld>
             <a:endParaRPr lang="en-ID"/>
           </a:p>
@@ -5278,7 +5291,7 @@
                 <a:latin typeface="Calibri" panose="020F0502020204030204" pitchFamily="34" charset="0"/>
                 <a:cs typeface="Times New Roman" panose="02020603050405020304" pitchFamily="18" charset="0"/>
               </a:rPr>
-              <a:t>Helen #</a:t>
+              <a:t>Josh #</a:t>
             </a:r>
           </a:p>
           <a:p>
@@ -5291,7 +5304,7 @@
                 <a:latin typeface="Calibri" panose="020F0502020204030204" pitchFamily="34" charset="0"/>
                 <a:cs typeface="Times New Roman" panose="02020603050405020304" pitchFamily="18" charset="0"/>
               </a:rPr>
-              <a:t>Jerry #</a:t>
+              <a:t>Helen #</a:t>
             </a:r>
           </a:p>
           <a:p>
@@ -5304,13 +5317,8 @@
                 <a:latin typeface="Calibri" panose="020F0502020204030204" pitchFamily="34" charset="0"/>
                 <a:cs typeface="Times New Roman" panose="02020603050405020304" pitchFamily="18" charset="0"/>
               </a:rPr>
-              <a:t>Josh #</a:t>
-            </a:r>
-            <a:endParaRPr lang="en-ID" sz="3200" dirty="0">
-              <a:solidFill>
-                <a:schemeClr val="bg1"/>
-              </a:solidFill>
-            </a:endParaRPr>
+              <a:t>Jerry Hsiung #18044188</a:t>
+            </a:r>
           </a:p>
         </p:txBody>
       </p:sp>

--- a/docs/Hookshot Heroes Presentation.pptx
+++ b/docs/Hookshot Heroes Presentation.pptx
@@ -609,7 +609,23 @@
           <a:p>
             <a:r>
               <a:rPr lang="en-US" sz="1800" dirty="0"/>
-              <a:t>Voiceover: What’s coming in version 2.0, More levels, which will included additional boss flight and more complex puzzles. As the player gets deeper into the dungeons, there will be more enemies to flight off. Our A.I system is always advancing and with each subsequent game release, A.I for both Avalon and enemies will enhance gameplay. Mood has been created by sound and player movement, but this could be made better with dramatic lighting through each level. This first release is based on grid movement for all objects within the game. We would like to improve this movement to smooth it out more. </a:t>
+              <a:t>Voiceover: There are many things we can improve. More levels, which will include additional </a:t>
+            </a:r>
+            <a:r>
+              <a:rPr lang="en-US" sz="1800"/>
+              <a:t>boss fights </a:t>
+            </a:r>
+            <a:r>
+              <a:rPr lang="en-US" sz="1800" dirty="0"/>
+              <a:t>and more complex puzzles. As the player gets deeper into the dungeons, there will be more enemies to flight off. Our game architecture is designed in such a way that its simple to add more levels or AI characters to the game. Our A.I system is always advancing and with each subsequent game release, A.I for both Avalon and enemies will enhance gameplay. Mood has been created by sound and player movement, but this could be made better with dynamic lighting through each level. We can also introduce different theme music for each level and more fun NPC comments from </a:t>
+            </a:r>
+            <a:r>
+              <a:rPr lang="en-US" sz="1800" dirty="0" err="1"/>
+              <a:t>ChatGPT</a:t>
+            </a:r>
+            <a:r>
+              <a:rPr lang="en-US" sz="1800" dirty="0"/>
+              <a:t>. The game is based on a grid system which we can always add better smoothing to make the movements less rigid.</a:t>
             </a:r>
             <a:endParaRPr lang="en-ID" dirty="0"/>
           </a:p>
@@ -1481,7 +1497,7 @@
           <a:p>
             <a:r>
               <a:rPr lang="en-US" dirty="0"/>
-              <a:t>Voiceover: Besides taking on the dungeon challenge alone as Lidia, there are also two player mode and guest mode. Two player mode allows you to complete all 10 dungeons along side a friend. Scoring is kept separate so that you and a friend can compete for the high score. Quest mode adds an extra layer of difficulty to the single player mode. Not only does Lidia need to get out safely, Avalon needs to also. The player will help the A.I controlled Avalon through all 10 dungeons. </a:t>
+              <a:t>Voiceover: Besides taking on the dungeon challenge alone as Lidia, there are also two player mode and quest mode. Two player mode allows you to complete all 10 dungeons along side a friend. Scoring is kept separate so that you and a friend can compete for the high score. Quest mode adds an extra layer of difficulty to the single player mode. Not only does Lidia need to get out safely, Avalon needs to also. The player will help the A.I controlled Avalon through all 10 dungeons. You can also play quest mode with another player, which will make the challenge simpler.</a:t>
             </a:r>
             <a:endParaRPr lang="en-ID" dirty="0"/>
           </a:p>
